--- a/workshop.pptx
+++ b/workshop.pptx
@@ -4411,7 +4411,7 @@
           <a:p>
             <a:fld id="{B2C9A908-48A5-6A4B-8AB1-55ABE12FFE8C}" type="datetimeFigureOut">
               <a:rPr lang="en-US" smtClean="0"/>
-              <a:t>5/4/18</a:t>
+              <a:t>5/6/18</a:t>
             </a:fld>
             <a:endParaRPr lang="en-US"/>
           </a:p>
@@ -4810,7 +4810,7 @@
           <a:p>
             <a:fld id="{5A869B86-2D9D-7548-B42B-078CB10FEDD4}" type="datetimeFigureOut">
               <a:rPr lang="en-US" smtClean="0"/>
-              <a:t>5/4/18</a:t>
+              <a:t>5/6/18</a:t>
             </a:fld>
             <a:endParaRPr lang="en-US"/>
           </a:p>
@@ -4980,7 +4980,7 @@
           <a:p>
             <a:fld id="{5A869B86-2D9D-7548-B42B-078CB10FEDD4}" type="datetimeFigureOut">
               <a:rPr lang="en-US" smtClean="0"/>
-              <a:t>5/4/18</a:t>
+              <a:t>5/6/18</a:t>
             </a:fld>
             <a:endParaRPr lang="en-US"/>
           </a:p>
@@ -5160,7 +5160,7 @@
           <a:p>
             <a:fld id="{5A869B86-2D9D-7548-B42B-078CB10FEDD4}" type="datetimeFigureOut">
               <a:rPr lang="en-US" smtClean="0"/>
-              <a:t>5/4/18</a:t>
+              <a:t>5/6/18</a:t>
             </a:fld>
             <a:endParaRPr lang="en-US"/>
           </a:p>
@@ -5330,7 +5330,7 @@
           <a:p>
             <a:fld id="{5A869B86-2D9D-7548-B42B-078CB10FEDD4}" type="datetimeFigureOut">
               <a:rPr lang="en-US" smtClean="0"/>
-              <a:t>5/4/18</a:t>
+              <a:t>5/6/18</a:t>
             </a:fld>
             <a:endParaRPr lang="en-US"/>
           </a:p>
@@ -5576,7 +5576,7 @@
           <a:p>
             <a:fld id="{5A869B86-2D9D-7548-B42B-078CB10FEDD4}" type="datetimeFigureOut">
               <a:rPr lang="en-US" smtClean="0"/>
-              <a:t>5/4/18</a:t>
+              <a:t>5/6/18</a:t>
             </a:fld>
             <a:endParaRPr lang="en-US"/>
           </a:p>
@@ -5808,7 +5808,7 @@
           <a:p>
             <a:fld id="{5A869B86-2D9D-7548-B42B-078CB10FEDD4}" type="datetimeFigureOut">
               <a:rPr lang="en-US" smtClean="0"/>
-              <a:t>5/4/18</a:t>
+              <a:t>5/6/18</a:t>
             </a:fld>
             <a:endParaRPr lang="en-US"/>
           </a:p>
@@ -6175,7 +6175,7 @@
           <a:p>
             <a:fld id="{5A869B86-2D9D-7548-B42B-078CB10FEDD4}" type="datetimeFigureOut">
               <a:rPr lang="en-US" smtClean="0"/>
-              <a:t>5/4/18</a:t>
+              <a:t>5/6/18</a:t>
             </a:fld>
             <a:endParaRPr lang="en-US"/>
           </a:p>
@@ -6293,7 +6293,7 @@
           <a:p>
             <a:fld id="{5A869B86-2D9D-7548-B42B-078CB10FEDD4}" type="datetimeFigureOut">
               <a:rPr lang="en-US" smtClean="0"/>
-              <a:t>5/4/18</a:t>
+              <a:t>5/6/18</a:t>
             </a:fld>
             <a:endParaRPr lang="en-US"/>
           </a:p>
@@ -6388,7 +6388,7 @@
           <a:p>
             <a:fld id="{5A869B86-2D9D-7548-B42B-078CB10FEDD4}" type="datetimeFigureOut">
               <a:rPr lang="en-US" smtClean="0"/>
-              <a:t>5/4/18</a:t>
+              <a:t>5/6/18</a:t>
             </a:fld>
             <a:endParaRPr lang="en-US"/>
           </a:p>
@@ -6665,7 +6665,7 @@
           <a:p>
             <a:fld id="{5A869B86-2D9D-7548-B42B-078CB10FEDD4}" type="datetimeFigureOut">
               <a:rPr lang="en-US" smtClean="0"/>
-              <a:t>5/4/18</a:t>
+              <a:t>5/6/18</a:t>
             </a:fld>
             <a:endParaRPr lang="en-US"/>
           </a:p>
@@ -6918,7 +6918,7 @@
           <a:p>
             <a:fld id="{5A869B86-2D9D-7548-B42B-078CB10FEDD4}" type="datetimeFigureOut">
               <a:rPr lang="en-US" smtClean="0"/>
-              <a:t>5/4/18</a:t>
+              <a:t>5/6/18</a:t>
             </a:fld>
             <a:endParaRPr lang="en-US"/>
           </a:p>
@@ -7131,7 +7131,7 @@
           <a:p>
             <a:fld id="{5A869B86-2D9D-7548-B42B-078CB10FEDD4}" type="datetimeFigureOut">
               <a:rPr lang="en-US" smtClean="0"/>
-              <a:t>5/4/18</a:t>
+              <a:t>5/6/18</a:t>
             </a:fld>
             <a:endParaRPr lang="en-US"/>
           </a:p>
@@ -8298,6 +8298,13 @@
   <p:clrMapOvr>
     <a:masterClrMapping/>
   </p:clrMapOvr>
+  <p:timing>
+    <p:tnLst>
+      <p:par>
+        <p:cTn id="1" dur="indefinite" restart="never" nodeType="tmRoot"/>
+      </p:par>
+    </p:tnLst>
+  </p:timing>
 </p:sld>
 </file>
 
@@ -8814,6 +8821,13 @@
   <p:clrMapOvr>
     <a:masterClrMapping/>
   </p:clrMapOvr>
+  <p:timing>
+    <p:tnLst>
+      <p:par>
+        <p:cTn id="1" dur="indefinite" restart="never" nodeType="tmRoot"/>
+      </p:par>
+    </p:tnLst>
+  </p:timing>
 </p:sld>
 </file>
 
@@ -10172,6 +10186,13 @@
   <p:clrMapOvr>
     <a:masterClrMapping/>
   </p:clrMapOvr>
+  <p:timing>
+    <p:tnLst>
+      <p:par>
+        <p:cTn id="1" dur="indefinite" restart="never" nodeType="tmRoot"/>
+      </p:par>
+    </p:tnLst>
+  </p:timing>
 </p:sld>
 </file>
 
@@ -11250,6 +11271,13 @@
   <p:clrMapOvr>
     <a:masterClrMapping/>
   </p:clrMapOvr>
+  <p:timing>
+    <p:tnLst>
+      <p:par>
+        <p:cTn id="1" dur="indefinite" restart="never" nodeType="tmRoot"/>
+      </p:par>
+    </p:tnLst>
+  </p:timing>
 </p:sld>
 </file>
 
@@ -11828,6 +11856,13 @@
   <p:clrMapOvr>
     <a:masterClrMapping/>
   </p:clrMapOvr>
+  <p:timing>
+    <p:tnLst>
+      <p:par>
+        <p:cTn id="1" dur="indefinite" restart="never" nodeType="tmRoot"/>
+      </p:par>
+    </p:tnLst>
+  </p:timing>
 </p:sld>
 </file>
 
@@ -24657,6 +24692,13 @@
   <p:clrMapOvr>
     <a:masterClrMapping/>
   </p:clrMapOvr>
+  <p:timing>
+    <p:tnLst>
+      <p:par>
+        <p:cTn id="1" dur="indefinite" restart="never" nodeType="tmRoot"/>
+      </p:par>
+    </p:tnLst>
+  </p:timing>
 </p:sld>
 </file>
 
@@ -26032,6 +26074,13 @@
   <p:clrMapOvr>
     <a:masterClrMapping/>
   </p:clrMapOvr>
+  <p:timing>
+    <p:tnLst>
+      <p:par>
+        <p:cTn id="1" dur="indefinite" restart="never" nodeType="tmRoot"/>
+      </p:par>
+    </p:tnLst>
+  </p:timing>
 </p:sld>
 </file>
 
@@ -27134,6 +27183,13 @@
   <p:clrMapOvr>
     <a:masterClrMapping/>
   </p:clrMapOvr>
+  <p:timing>
+    <p:tnLst>
+      <p:par>
+        <p:cTn id="1" dur="indefinite" restart="never" nodeType="tmRoot"/>
+      </p:par>
+    </p:tnLst>
+  </p:timing>
 </p:sld>
 </file>
 
@@ -27301,6 +27357,13 @@
   <p:clrMapOvr>
     <a:masterClrMapping/>
   </p:clrMapOvr>
+  <p:timing>
+    <p:tnLst>
+      <p:par>
+        <p:cTn id="1" dur="indefinite" restart="never" nodeType="tmRoot"/>
+      </p:par>
+    </p:tnLst>
+  </p:timing>
 </p:sld>
 </file>
 
